--- a/docs/MarketManager Presentation.pptx
+++ b/docs/MarketManager Presentation.pptx
@@ -113,6 +113,11 @@
       </a:defRPr>
     </a:lvl9pPr>
   </p:defaultTextStyle>
+  <p:extLst>
+    <p:ext uri="{EFAFB233-063F-42B5-8137-9DF3F51BA10A}">
+      <p15:sldGuideLst xmlns:p15="http://schemas.microsoft.com/office/powerpoint/2012/main"/>
+    </p:ext>
+  </p:extLst>
 </p:presentation>
 </file>
 
@@ -1146,7 +1151,7 @@
           <a:p>
             <a:fld id="{CAC1F832-B134-4F1B-B4F8-5DF1B05AF28B}" type="datetimeFigureOut">
               <a:rPr lang="en-GB" smtClean="0"/>
-              <a:t>19/04/2022</a:t>
+              <a:t>20/04/2022</a:t>
             </a:fld>
             <a:endParaRPr lang="en-GB"/>
           </a:p>
@@ -16174,7 +16179,7 @@
                   <a:srgbClr val="FFFFFF"/>
                 </a:solidFill>
               </a:rPr>
-              <a:t>We believe that there is a substantial gap in the market for a website that is simple to use that would allow a user to “tip their toes” into the world of asset management and trading </a:t>
+              <a:t>We believe that there is a substantial gap in the market for a website that is simple to use that would allow a user to “tip their toes” into the world of asset management and trading.</a:t>
             </a:r>
           </a:p>
         </p:txBody>

--- a/docs/MarketManager Presentation.pptx
+++ b/docs/MarketManager Presentation.pptx
@@ -5,7 +5,7 @@
     <p:sldMasterId id="2147483999" r:id="rId1"/>
   </p:sldMasterIdLst>
   <p:notesMasterIdLst>
-    <p:notesMasterId r:id="rId9"/>
+    <p:notesMasterId r:id="rId10"/>
   </p:notesMasterIdLst>
   <p:sldIdLst>
     <p:sldId id="391" r:id="rId2"/>
@@ -14,7 +14,8 @@
     <p:sldId id="257" r:id="rId5"/>
     <p:sldId id="277" r:id="rId6"/>
     <p:sldId id="258" r:id="rId7"/>
-    <p:sldId id="392" r:id="rId8"/>
+    <p:sldId id="393" r:id="rId8"/>
+    <p:sldId id="392" r:id="rId9"/>
   </p:sldIdLst>
   <p:sldSz cx="12192000" cy="6858000"/>
   <p:notesSz cx="6858000" cy="9144000"/>
@@ -1506,6 +1507,93 @@
 </p:notes>
 </file>
 
+<file path=ppt/notesSlides/notesSlide2.xml><?xml version="1.0" encoding="utf-8"?>
+<p:notes xmlns:a="http://schemas.openxmlformats.org/drawingml/2006/main" xmlns:r="http://schemas.openxmlformats.org/officeDocument/2006/relationships" xmlns:p="http://schemas.openxmlformats.org/presentationml/2006/main">
+  <p:cSld>
+    <p:spTree>
+      <p:nvGrpSpPr>
+        <p:cNvPr id="1" name=""/>
+        <p:cNvGrpSpPr/>
+        <p:nvPr/>
+      </p:nvGrpSpPr>
+      <p:grpSpPr>
+        <a:xfrm>
+          <a:off x="0" y="0"/>
+          <a:ext cx="0" cy="0"/>
+          <a:chOff x="0" y="0"/>
+          <a:chExt cx="0" cy="0"/>
+        </a:xfrm>
+      </p:grpSpPr>
+      <p:sp>
+        <p:nvSpPr>
+          <p:cNvPr id="2" name="Slide Image Placeholder 1"/>
+          <p:cNvSpPr>
+            <a:spLocks noGrp="1" noRot="1" noChangeAspect="1"/>
+          </p:cNvSpPr>
+          <p:nvPr>
+            <p:ph type="sldImg"/>
+          </p:nvPr>
+        </p:nvSpPr>
+        <p:spPr/>
+      </p:sp>
+      <p:sp>
+        <p:nvSpPr>
+          <p:cNvPr id="3" name="Notes Placeholder 2"/>
+          <p:cNvSpPr>
+            <a:spLocks noGrp="1"/>
+          </p:cNvSpPr>
+          <p:nvPr>
+            <p:ph type="body" idx="1"/>
+          </p:nvPr>
+        </p:nvSpPr>
+        <p:spPr/>
+        <p:txBody>
+          <a:bodyPr/>
+          <a:lstStyle/>
+          <a:p>
+            <a:r>
+              <a:rPr lang="en-GB" dirty="0"/>
+              <a:t>Slides should only have a max of 80 words per page</a:t>
+            </a:r>
+          </a:p>
+        </p:txBody>
+      </p:sp>
+      <p:sp>
+        <p:nvSpPr>
+          <p:cNvPr id="4" name="Slide Number Placeholder 3"/>
+          <p:cNvSpPr>
+            <a:spLocks noGrp="1"/>
+          </p:cNvSpPr>
+          <p:nvPr>
+            <p:ph type="sldNum" sz="quarter" idx="5"/>
+          </p:nvPr>
+        </p:nvSpPr>
+        <p:spPr/>
+        <p:txBody>
+          <a:bodyPr/>
+          <a:lstStyle/>
+          <a:p>
+            <a:fld id="{5E6A47DF-B007-4639-AF2E-0742696768FD}" type="slidenum">
+              <a:rPr lang="en-GB" smtClean="0"/>
+              <a:t>7</a:t>
+            </a:fld>
+            <a:endParaRPr lang="en-GB"/>
+          </a:p>
+        </p:txBody>
+      </p:sp>
+    </p:spTree>
+    <p:extLst>
+      <p:ext uri="{BB962C8B-B14F-4D97-AF65-F5344CB8AC3E}">
+        <p14:creationId xmlns:p14="http://schemas.microsoft.com/office/powerpoint/2010/main" val="152499993"/>
+      </p:ext>
+    </p:extLst>
+  </p:cSld>
+  <p:clrMapOvr>
+    <a:masterClrMapping/>
+  </p:clrMapOvr>
+</p:notes>
+</file>
+
 <file path=ppt/slideLayouts/slideLayout1.xml><?xml version="1.0" encoding="utf-8"?>
 <p:sldLayout xmlns:a="http://schemas.openxmlformats.org/drawingml/2006/main" xmlns:r="http://schemas.openxmlformats.org/officeDocument/2006/relationships" xmlns:p="http://schemas.openxmlformats.org/presentationml/2006/main" preserve="1">
   <p:cSld name="1_Title">
@@ -15359,8 +15447,22 @@
           <a:lstStyle/>
           <a:p>
             <a:r>
+              <a:rPr lang="en-GB" dirty="0">
+                <a:effectLst/>
+                <a:latin typeface="Gill Sans MT (Body)"/>
+                <a:ea typeface="Calibri" panose="020F0502020204030204" pitchFamily="34" charset="0"/>
+                <a:cs typeface="Times New Roman" panose="02020603050405020304" pitchFamily="18" charset="0"/>
+              </a:rPr>
+              <a:t>MarketManager is an easy to use website, that offers a straightforward way to view the financial data for publicly traded companies on the stock market.</a:t>
+            </a:r>
+            <a:endParaRPr lang="en-GB" dirty="0">
+              <a:latin typeface="Gill Sans MT (Body)"/>
+            </a:endParaRPr>
+          </a:p>
+          <a:p>
+            <a:r>
               <a:rPr lang="en-GB" dirty="0"/>
-              <a:t>MarketManager is a </a:t>
+              <a:t>MarketManager is designed as a </a:t>
             </a:r>
             <a:r>
               <a:rPr lang="en-GB" dirty="0">
@@ -15368,11 +15470,11 @@
                   <a:schemeClr val="accent1"/>
                 </a:solidFill>
               </a:rPr>
-              <a:t>Progressive Web Application </a:t>
+              <a:t>Progressive Web Application</a:t>
             </a:r>
             <a:r>
               <a:rPr lang="en-GB" dirty="0"/>
-              <a:t>for tracking financial assets on a single website.</a:t>
+              <a:t>, for tracking the prices of financial assets on a single website.</a:t>
             </a:r>
           </a:p>
           <a:p>
@@ -16670,7 +16772,7 @@
           <p:cNvPr id="2" name="Title 1">
             <a:extLst>
               <a:ext uri="{FF2B5EF4-FFF2-40B4-BE49-F238E27FC236}">
-                <a16:creationId xmlns:a16="http://schemas.microsoft.com/office/drawing/2014/main" id="{0E6A8F58-D0FE-4D28-845F-52154FC5A2BE}"/>
+                <a16:creationId xmlns:a16="http://schemas.microsoft.com/office/drawing/2014/main" id="{580D644E-EF56-4AB1-89A1-BD0326C8CC3E}"/>
               </a:ext>
             </a:extLst>
           </p:cNvPr>
@@ -16691,7 +16793,7 @@
                 <a:latin typeface="Arial" panose="020B0604020202020204" pitchFamily="34" charset="0"/>
                 <a:cs typeface="Arial" panose="020B0604020202020204" pitchFamily="34" charset="0"/>
               </a:rPr>
-              <a:t>References</a:t>
+              <a:t>How does MarketManager Work?</a:t>
             </a:r>
           </a:p>
         </p:txBody>
@@ -16701,7 +16803,7 @@
           <p:cNvPr id="3" name="Content Placeholder 2">
             <a:extLst>
               <a:ext uri="{FF2B5EF4-FFF2-40B4-BE49-F238E27FC236}">
-                <a16:creationId xmlns:a16="http://schemas.microsoft.com/office/drawing/2014/main" id="{04B2521D-DE73-4832-AA5B-503EC6128588}"/>
+                <a16:creationId xmlns:a16="http://schemas.microsoft.com/office/drawing/2014/main" id="{F0AEAC91-0F11-47D2-985B-B65EE3CFC669}"/>
               </a:ext>
             </a:extLst>
           </p:cNvPr>
@@ -16712,6 +16814,128 @@
             <p:ph idx="1"/>
           </p:nvPr>
         </p:nvSpPr>
+        <p:spPr>
+          <a:xfrm>
+            <a:off x="430791" y="1559017"/>
+            <a:ext cx="11090274" cy="4749708"/>
+          </a:xfrm>
+        </p:spPr>
+        <p:txBody>
+          <a:bodyPr>
+            <a:normAutofit/>
+          </a:bodyPr>
+          <a:lstStyle/>
+          <a:p>
+            <a:endParaRPr lang="en-GB" dirty="0"/>
+          </a:p>
+        </p:txBody>
+      </p:sp>
+      <p:sp>
+        <p:nvSpPr>
+          <p:cNvPr id="6" name="Slide Number Placeholder 5">
+            <a:extLst>
+              <a:ext uri="{FF2B5EF4-FFF2-40B4-BE49-F238E27FC236}">
+                <a16:creationId xmlns:a16="http://schemas.microsoft.com/office/drawing/2014/main" id="{B7E58464-11D6-462F-B4CB-F4D24CB11ECC}"/>
+              </a:ext>
+            </a:extLst>
+          </p:cNvPr>
+          <p:cNvSpPr>
+            <a:spLocks noGrp="1"/>
+          </p:cNvSpPr>
+          <p:nvPr>
+            <p:ph type="sldNum" sz="quarter" idx="12"/>
+          </p:nvPr>
+        </p:nvSpPr>
+        <p:spPr/>
+        <p:txBody>
+          <a:bodyPr/>
+          <a:lstStyle/>
+          <a:p>
+            <a:fld id="{82ABD816-EAF9-4B09-90A8-FE2D2E838981}" type="slidenum">
+              <a:rPr lang="en-GB" smtClean="0"/>
+              <a:t>7</a:t>
+            </a:fld>
+            <a:endParaRPr lang="en-GB" dirty="0"/>
+          </a:p>
+        </p:txBody>
+      </p:sp>
+    </p:spTree>
+    <p:extLst>
+      <p:ext uri="{BB962C8B-B14F-4D97-AF65-F5344CB8AC3E}">
+        <p14:creationId xmlns:p14="http://schemas.microsoft.com/office/powerpoint/2010/main" val="2541612761"/>
+      </p:ext>
+    </p:extLst>
+  </p:cSld>
+  <p:clrMapOvr>
+    <a:masterClrMapping/>
+  </p:clrMapOvr>
+</p:sld>
+</file>
+
+<file path=ppt/slides/slide8.xml><?xml version="1.0" encoding="utf-8"?>
+<p:sld xmlns:a="http://schemas.openxmlformats.org/drawingml/2006/main" xmlns:r="http://schemas.openxmlformats.org/officeDocument/2006/relationships" xmlns:p="http://schemas.openxmlformats.org/presentationml/2006/main">
+  <p:cSld>
+    <p:spTree>
+      <p:nvGrpSpPr>
+        <p:cNvPr id="1" name=""/>
+        <p:cNvGrpSpPr/>
+        <p:nvPr/>
+      </p:nvGrpSpPr>
+      <p:grpSpPr>
+        <a:xfrm>
+          <a:off x="0" y="0"/>
+          <a:ext cx="0" cy="0"/>
+          <a:chOff x="0" y="0"/>
+          <a:chExt cx="0" cy="0"/>
+        </a:xfrm>
+      </p:grpSpPr>
+      <p:sp>
+        <p:nvSpPr>
+          <p:cNvPr id="2" name="Title 1">
+            <a:extLst>
+              <a:ext uri="{FF2B5EF4-FFF2-40B4-BE49-F238E27FC236}">
+                <a16:creationId xmlns:a16="http://schemas.microsoft.com/office/drawing/2014/main" id="{0E6A8F58-D0FE-4D28-845F-52154FC5A2BE}"/>
+              </a:ext>
+            </a:extLst>
+          </p:cNvPr>
+          <p:cNvSpPr>
+            <a:spLocks noGrp="1"/>
+          </p:cNvSpPr>
+          <p:nvPr>
+            <p:ph type="title"/>
+          </p:nvPr>
+        </p:nvSpPr>
+        <p:spPr/>
+        <p:txBody>
+          <a:bodyPr/>
+          <a:lstStyle/>
+          <a:p>
+            <a:r>
+              <a:rPr lang="en-GB" dirty="0">
+                <a:latin typeface="Arial" panose="020B0604020202020204" pitchFamily="34" charset="0"/>
+                <a:cs typeface="Arial" panose="020B0604020202020204" pitchFamily="34" charset="0"/>
+              </a:rPr>
+              <a:t>References</a:t>
+            </a:r>
+          </a:p>
+        </p:txBody>
+      </p:sp>
+      <p:sp>
+        <p:nvSpPr>
+          <p:cNvPr id="3" name="Content Placeholder 2">
+            <a:extLst>
+              <a:ext uri="{FF2B5EF4-FFF2-40B4-BE49-F238E27FC236}">
+                <a16:creationId xmlns:a16="http://schemas.microsoft.com/office/drawing/2014/main" id="{04B2521D-DE73-4832-AA5B-503EC6128588}"/>
+              </a:ext>
+            </a:extLst>
+          </p:cNvPr>
+          <p:cNvSpPr>
+            <a:spLocks noGrp="1"/>
+          </p:cNvSpPr>
+          <p:nvPr>
+            <p:ph idx="1"/>
+          </p:nvPr>
+        </p:nvSpPr>
         <p:spPr/>
         <p:txBody>
           <a:bodyPr/>
@@ -16778,7 +17002,7 @@
           <a:p>
             <a:fld id="{82ABD816-EAF9-4B09-90A8-FE2D2E838981}" type="slidenum">
               <a:rPr lang="en-GB" smtClean="0"/>
-              <a:t>7</a:t>
+              <a:t>8</a:t>
             </a:fld>
             <a:endParaRPr lang="en-GB" dirty="0"/>
           </a:p>

--- a/docs/MarketManager Presentation.pptx
+++ b/docs/MarketManager Presentation.pptx
@@ -382,7 +382,7 @@
                 </a:r>
                 <a:r>
                   <a:rPr lang="en-GB" baseline="0" dirty="0"/>
-                  <a:t> that agree with the statements</a:t>
+                  <a:t> that agree with the statement(s)</a:t>
                 </a:r>
                 <a:endParaRPr lang="en-GB" dirty="0"/>
               </a:p>
@@ -16478,7 +16478,7 @@
           <p:nvPr>
             <p:extLst>
               <p:ext uri="{D42A27DB-BD31-4B8C-83A1-F6EECF244321}">
-                <p14:modId xmlns:p14="http://schemas.microsoft.com/office/powerpoint/2010/main" val="1555378195"/>
+                <p14:modId xmlns:p14="http://schemas.microsoft.com/office/powerpoint/2010/main" val="4009861379"/>
               </p:ext>
             </p:extLst>
           </p:nvPr>
@@ -16508,7 +16508,7 @@
         <p:spPr>
           <a:xfrm>
             <a:off x="228021" y="6168657"/>
-            <a:ext cx="4094597" cy="276999"/>
+            <a:ext cx="4094597" cy="246221"/>
           </a:xfrm>
           <a:prstGeom prst="rect">
             <a:avLst/>
@@ -16522,16 +16522,16 @@
           <a:lstStyle/>
           <a:p>
             <a:r>
-              <a:rPr lang="en-GB" sz="1200" dirty="0"/>
+              <a:rPr lang="en-GB" sz="1000" dirty="0"/>
               <a:t>Data from </a:t>
             </a:r>
             <a:r>
-              <a:rPr lang="en-GB" sz="1200" dirty="0">
+              <a:rPr lang="en-GB" sz="1000" dirty="0">
                 <a:hlinkClick r:id="rId3"/>
               </a:rPr>
               <a:t>https://www.finder.com/uk/investment-statistics</a:t>
             </a:r>
-            <a:endParaRPr lang="en-GB" sz="1200" dirty="0"/>
+            <a:endParaRPr lang="en-GB" sz="1000" dirty="0"/>
           </a:p>
         </p:txBody>
       </p:sp>
@@ -16697,7 +16697,7 @@
           <a:p>
             <a:r>
               <a:rPr lang="en-GB" dirty="0"/>
-              <a:t>On a mobile device, the buttons may be larger and slightly spaced out. </a:t>
+              <a:t>On a mobile device, the buttons may be larger and slightly spaced out so they are easy to press with a finger instead of a mouse. </a:t>
             </a:r>
           </a:p>
           <a:p>
@@ -16936,7 +16936,12 @@
             <p:ph idx="1"/>
           </p:nvPr>
         </p:nvSpPr>
-        <p:spPr/>
+        <p:spPr>
+          <a:xfrm>
+            <a:off x="549538" y="1439187"/>
+            <a:ext cx="11090274" cy="3979625"/>
+          </a:xfrm>
+        </p:spPr>
         <p:txBody>
           <a:bodyPr/>
           <a:lstStyle/>

--- a/docs/MarketManager Presentation.pptx
+++ b/docs/MarketManager Presentation.pptx
@@ -8170,11 +8170,32 @@
         </p:spPr>
         <p:txBody>
           <a:bodyPr>
-            <a:normAutofit/>
+            <a:normAutofit lnSpcReduction="10000"/>
           </a:bodyPr>
           <a:lstStyle/>
           <a:p>
-            <a:endParaRPr lang="en-GB" dirty="0"/>
+            <a:r>
+              <a:rPr lang="en-GB" dirty="0"/>
+              <a:t>MarketManager is a progressive web application, this means that the whole system runs on the server side with the client interacting with the website.</a:t>
+            </a:r>
+          </a:p>
+          <a:p>
+            <a:r>
+              <a:rPr lang="en-GB" dirty="0"/>
+              <a:t>For displaying the user interface for the MarketManager website, we have used a JavaScript library called ReactJS. This handles all of our frontend for the system.</a:t>
+            </a:r>
+          </a:p>
+          <a:p>
+            <a:r>
+              <a:rPr lang="en-GB" dirty="0"/>
+              <a:t>For managing the accounts and the functionality of the MarketManager website, we have used a open source Java framework called Spring Boot. This handles all of our backend data.</a:t>
+            </a:r>
+          </a:p>
+          <a:p>
+            <a:r>
+              <a:rPr lang="en-GB" dirty="0"/>
+              <a:t>For persistence storage of the user accounts, we have used a MySQL database. This stores all of our account data which is passed to the backend to be handled.</a:t>
+            </a:r>
           </a:p>
         </p:txBody>
       </p:sp>
@@ -9335,8 +9356,8 @@
         </p:nvSpPr>
         <p:spPr>
           <a:xfrm>
-            <a:off x="567767" y="1017626"/>
-            <a:ext cx="1727909" cy="769441"/>
+            <a:off x="834953" y="1233070"/>
+            <a:ext cx="1584152" cy="707886"/>
           </a:xfrm>
           <a:prstGeom prst="rect">
             <a:avLst/>
@@ -9351,7 +9372,7 @@
           <a:p>
             <a:pPr algn="ctr"/>
             <a:r>
-              <a:rPr lang="en-US" sz="4400" b="0" cap="none" spc="0" dirty="0">
+              <a:rPr lang="en-US" sz="4000" b="0" cap="none" spc="0" dirty="0">
                 <a:ln w="0"/>
                 <a:solidFill>
                   <a:schemeClr val="tx1"/>
@@ -9366,6 +9387,19 @@
               </a:rPr>
               <a:t>Clients</a:t>
             </a:r>
+            <a:endParaRPr lang="en-US" sz="4400" b="0" cap="none" spc="0" dirty="0">
+              <a:ln w="0"/>
+              <a:solidFill>
+                <a:schemeClr val="tx1"/>
+              </a:solidFill>
+              <a:effectLst>
+                <a:outerShdw blurRad="38100" dist="38100" dir="2700000" algn="tl">
+                  <a:srgbClr val="000000">
+                    <a:alpha val="43137"/>
+                  </a:srgbClr>
+                </a:outerShdw>
+              </a:effectLst>
+            </a:endParaRPr>
           </a:p>
         </p:txBody>
       </p:sp>
@@ -9383,8 +9417,8 @@
         </p:nvSpPr>
         <p:spPr>
           <a:xfrm>
-            <a:off x="4677773" y="1017626"/>
-            <a:ext cx="1654364" cy="769441"/>
+            <a:off x="4714614" y="1178013"/>
+            <a:ext cx="1727909" cy="707886"/>
           </a:xfrm>
           <a:prstGeom prst="rect">
             <a:avLst/>
@@ -9392,14 +9426,14 @@
           <a:noFill/>
         </p:spPr>
         <p:txBody>
-          <a:bodyPr wrap="none" lIns="91440" tIns="45720" rIns="91440" bIns="45720">
+          <a:bodyPr wrap="square" lIns="91440" tIns="45720" rIns="91440" bIns="45720">
             <a:spAutoFit/>
           </a:bodyPr>
           <a:lstStyle/>
           <a:p>
             <a:pPr algn="ctr"/>
             <a:r>
-              <a:rPr lang="en-US" sz="4400" b="0" cap="none" spc="0" dirty="0">
+              <a:rPr lang="en-US" sz="4000" b="0" cap="none" spc="0" dirty="0">
                 <a:ln w="0"/>
                 <a:solidFill>
                   <a:schemeClr val="tx1"/>
@@ -9433,8 +9467,8 @@
         </p:nvSpPr>
         <p:spPr>
           <a:xfrm>
-            <a:off x="-440191" y="443526"/>
-            <a:ext cx="10515600" cy="625721"/>
+            <a:off x="-418379" y="293359"/>
+            <a:ext cx="12451678" cy="625721"/>
           </a:xfrm>
           <a:prstGeom prst="rect">
             <a:avLst/>
@@ -9469,7 +9503,7 @@
                 <a:latin typeface="Arial" panose="020B0604020202020204" pitchFamily="34" charset="0"/>
                 <a:cs typeface="Arial" panose="020B0604020202020204" pitchFamily="34" charset="0"/>
               </a:rPr>
-              <a:t>How does MarketManager Work?</a:t>
+              <a:t>An Overview of how MarketManager Works</a:t>
             </a:r>
           </a:p>
         </p:txBody>

--- a/docs/MarketManager Presentation.pptx
+++ b/docs/MarketManager Presentation.pptx
@@ -1154,7 +1154,7 @@
           <a:p>
             <a:fld id="{CAC1F832-B134-4F1B-B4F8-5DF1B05AF28B}" type="datetimeFigureOut">
               <a:rPr lang="en-GB" smtClean="0"/>
-              <a:t>21/04/2022</a:t>
+              <a:t>23/04/2022</a:t>
             </a:fld>
             <a:endParaRPr lang="en-GB"/>
           </a:p>
